--- a/HW_2_programming_set/HW_2_programming/HW2.pptx
+++ b/HW_2_programming_set/HW_2_programming/HW2.pptx
@@ -239,7 +239,7 @@
           <a:p>
             <a:fld id="{F0C8AC04-A67D-B24C-8E12-8FB56FC05672}" type="datetimeFigureOut">
               <a:rPr lang="en-US" smtClean="0"/>
-              <a:t>9/16/2022</a:t>
+              <a:t>9/17/2022</a:t>
             </a:fld>
             <a:endParaRPr lang="en-US"/>
           </a:p>
@@ -416,7 +416,7 @@
           <a:p>
             <a:fld id="{2DE3F71F-EE20-0840-B448-C2CC2398DE46}" type="datetimeFigureOut">
               <a:rPr lang="en-US" smtClean="0"/>
-              <a:t>9/16/2022</a:t>
+              <a:t>9/17/2022</a:t>
             </a:fld>
             <a:endParaRPr lang="en-US"/>
           </a:p>
@@ -3668,8 +3668,8 @@
           </a:p>
         </p:txBody>
       </p:sp>
-      <mc:AlternateContent xmlns:mc="http://schemas.openxmlformats.org/markup-compatibility/2006">
-        <mc:Choice xmlns:a14="http://schemas.microsoft.com/office/drawing/2010/main" Requires="a14">
+      <mc:AlternateContent xmlns:mc="http://schemas.openxmlformats.org/markup-compatibility/2006" xmlns:a14="http://schemas.microsoft.com/office/drawing/2010/main">
+        <mc:Choice Requires="a14">
           <p:sp>
             <p:nvSpPr>
               <p:cNvPr id="3" name="Content Placeholder 2">
@@ -3945,7 +3945,7 @@
             </p:txBody>
           </p:sp>
         </mc:Choice>
-        <mc:Fallback>
+        <mc:Fallback xmlns="">
           <p:sp>
             <p:nvSpPr>
               <p:cNvPr id="3" name="Content Placeholder 2">
@@ -7705,8 +7705,8 @@
           </a:p>
         </p:txBody>
       </p:sp>
-      <mc:AlternateContent xmlns:mc="http://schemas.openxmlformats.org/markup-compatibility/2006" xmlns:a14="http://schemas.microsoft.com/office/drawing/2010/main">
-        <mc:Choice Requires="a14">
+      <mc:AlternateContent xmlns:mc="http://schemas.openxmlformats.org/markup-compatibility/2006">
+        <mc:Choice xmlns:a14="http://schemas.microsoft.com/office/drawing/2010/main" Requires="a14">
           <p:sp>
             <p:nvSpPr>
               <p:cNvPr id="3" name="Content Placeholder 2">
@@ -7824,9 +7824,23 @@
                         </m:r>
                       </m:sup>
                     </m:sSup>
+                    <m:r>
+                      <a:rPr lang="en-US" b="0" i="1" smtClean="0">
+                        <a:latin typeface="Cambria Math" panose="02040503050406030204" pitchFamily="18" charset="0"/>
+                        <a:ea typeface="Cambria Math" panose="02040503050406030204" pitchFamily="18" charset="0"/>
+                      </a:rPr>
+                      <m:t>=</m:t>
+                    </m:r>
+                    <m:r>
+                      <a:rPr lang="en-US" b="1" i="1" smtClean="0">
+                        <a:latin typeface="Cambria Math" panose="02040503050406030204" pitchFamily="18" charset="0"/>
+                        <a:ea typeface="Cambria Math" panose="02040503050406030204" pitchFamily="18" charset="0"/>
+                      </a:rPr>
+                      <m:t>𝟎</m:t>
+                    </m:r>
                   </m:oMath>
                 </a14:m>
-                <a:endParaRPr lang="en-US" dirty="0"/>
+                <a:endParaRPr lang="en-US" b="1" dirty="0"/>
               </a:p>
               <a:p>
                 <a:r>
@@ -8695,7 +8709,7 @@
             </p:txBody>
           </p:sp>
         </mc:Choice>
-        <mc:Fallback xmlns="">
+        <mc:Fallback>
           <p:sp>
             <p:nvSpPr>
               <p:cNvPr id="3" name="Content Placeholder 2">
@@ -8790,6 +8804,41 @@
           <a:p>
             <a:pPr algn="ctr"/>
             <a:endParaRPr lang="en-US"/>
+          </a:p>
+        </p:txBody>
+      </p:sp>
+      <p:sp>
+        <p:nvSpPr>
+          <p:cNvPr id="5" name="TextBox 4">
+            <a:extLst>
+              <a:ext uri="{FF2B5EF4-FFF2-40B4-BE49-F238E27FC236}">
+                <a16:creationId xmlns:a16="http://schemas.microsoft.com/office/drawing/2014/main" id="{B2F48097-2812-4DE2-9494-6BB1DBE61F1A}"/>
+              </a:ext>
+            </a:extLst>
+          </p:cNvPr>
+          <p:cNvSpPr txBox="1"/>
+          <p:nvPr/>
+        </p:nvSpPr>
+        <p:spPr>
+          <a:xfrm>
+            <a:off x="294640" y="6115722"/>
+            <a:ext cx="5181002" cy="461665"/>
+          </a:xfrm>
+          <a:prstGeom prst="rect">
+            <a:avLst/>
+          </a:prstGeom>
+          <a:noFill/>
+        </p:spPr>
+        <p:txBody>
+          <a:bodyPr wrap="square" rtlCol="0">
+            <a:spAutoFit/>
+          </a:bodyPr>
+          <a:lstStyle/>
+          <a:p>
+            <a:r>
+              <a:rPr lang="en-US" sz="2400" dirty="0"/>
+              <a:t>See lecture 7 for extra details</a:t>
+            </a:r>
           </a:p>
         </p:txBody>
       </p:sp>
